--- a/Section 3/Section 3.pptx
+++ b/Section 3/Section 3.pptx
@@ -5,8 +5,8 @@
     <p:sldMasterId id="2147483648" r:id="rId1"/>
   </p:sldMasterIdLst>
   <p:sldIdLst>
-    <p:sldId id="257" r:id="rId2"/>
-    <p:sldId id="258" r:id="rId3"/>
+    <p:sldId id="258" r:id="rId2"/>
+    <p:sldId id="257" r:id="rId3"/>
   </p:sldIdLst>
   <p:sldSz cx="12192000" cy="6858000"/>
   <p:notesSz cx="6858000" cy="9144000"/>
@@ -105,6 +105,11 @@
       </a:defRPr>
     </a:lvl9pPr>
   </p:defaultTextStyle>
+  <p:extLst>
+    <p:ext uri="{EFAFB233-063F-42B5-8137-9DF3F51BA10A}">
+      <p15:sldGuideLst xmlns:p15="http://schemas.microsoft.com/office/powerpoint/2012/main"/>
+    </p:ext>
+  </p:extLst>
 </p:presentation>
 </file>
 
@@ -255,7 +260,7 @@
           <a:p>
             <a:fld id="{3D995D24-2632-4027-898C-1F63451A4903}" type="datetimeFigureOut">
               <a:rPr lang="en-US" smtClean="0"/>
-              <a:t>4/10/2021</a:t>
+              <a:t>4/15/2021</a:t>
             </a:fld>
             <a:endParaRPr lang="en-US"/>
           </a:p>
@@ -453,7 +458,7 @@
           <a:p>
             <a:fld id="{3D995D24-2632-4027-898C-1F63451A4903}" type="datetimeFigureOut">
               <a:rPr lang="en-US" smtClean="0"/>
-              <a:t>4/10/2021</a:t>
+              <a:t>4/15/2021</a:t>
             </a:fld>
             <a:endParaRPr lang="en-US"/>
           </a:p>
@@ -661,7 +666,7 @@
           <a:p>
             <a:fld id="{3D995D24-2632-4027-898C-1F63451A4903}" type="datetimeFigureOut">
               <a:rPr lang="en-US" smtClean="0"/>
-              <a:t>4/10/2021</a:t>
+              <a:t>4/15/2021</a:t>
             </a:fld>
             <a:endParaRPr lang="en-US"/>
           </a:p>
@@ -859,7 +864,7 @@
           <a:p>
             <a:fld id="{3D995D24-2632-4027-898C-1F63451A4903}" type="datetimeFigureOut">
               <a:rPr lang="en-US" smtClean="0"/>
-              <a:t>4/10/2021</a:t>
+              <a:t>4/15/2021</a:t>
             </a:fld>
             <a:endParaRPr lang="en-US"/>
           </a:p>
@@ -1134,7 +1139,7 @@
           <a:p>
             <a:fld id="{3D995D24-2632-4027-898C-1F63451A4903}" type="datetimeFigureOut">
               <a:rPr lang="en-US" smtClean="0"/>
-              <a:t>4/10/2021</a:t>
+              <a:t>4/15/2021</a:t>
             </a:fld>
             <a:endParaRPr lang="en-US"/>
           </a:p>
@@ -1399,7 +1404,7 @@
           <a:p>
             <a:fld id="{3D995D24-2632-4027-898C-1F63451A4903}" type="datetimeFigureOut">
               <a:rPr lang="en-US" smtClean="0"/>
-              <a:t>4/10/2021</a:t>
+              <a:t>4/15/2021</a:t>
             </a:fld>
             <a:endParaRPr lang="en-US"/>
           </a:p>
@@ -1811,7 +1816,7 @@
           <a:p>
             <a:fld id="{3D995D24-2632-4027-898C-1F63451A4903}" type="datetimeFigureOut">
               <a:rPr lang="en-US" smtClean="0"/>
-              <a:t>4/10/2021</a:t>
+              <a:t>4/15/2021</a:t>
             </a:fld>
             <a:endParaRPr lang="en-US"/>
           </a:p>
@@ -1952,7 +1957,7 @@
           <a:p>
             <a:fld id="{3D995D24-2632-4027-898C-1F63451A4903}" type="datetimeFigureOut">
               <a:rPr lang="en-US" smtClean="0"/>
-              <a:t>4/10/2021</a:t>
+              <a:t>4/15/2021</a:t>
             </a:fld>
             <a:endParaRPr lang="en-US"/>
           </a:p>
@@ -2065,7 +2070,7 @@
           <a:p>
             <a:fld id="{3D995D24-2632-4027-898C-1F63451A4903}" type="datetimeFigureOut">
               <a:rPr lang="en-US" smtClean="0"/>
-              <a:t>4/10/2021</a:t>
+              <a:t>4/15/2021</a:t>
             </a:fld>
             <a:endParaRPr lang="en-US"/>
           </a:p>
@@ -2376,7 +2381,7 @@
           <a:p>
             <a:fld id="{3D995D24-2632-4027-898C-1F63451A4903}" type="datetimeFigureOut">
               <a:rPr lang="en-US" smtClean="0"/>
-              <a:t>4/10/2021</a:t>
+              <a:t>4/15/2021</a:t>
             </a:fld>
             <a:endParaRPr lang="en-US"/>
           </a:p>
@@ -2664,7 +2669,7 @@
           <a:p>
             <a:fld id="{3D995D24-2632-4027-898C-1F63451A4903}" type="datetimeFigureOut">
               <a:rPr lang="en-US" smtClean="0"/>
-              <a:t>4/10/2021</a:t>
+              <a:t>4/15/2021</a:t>
             </a:fld>
             <a:endParaRPr lang="en-US"/>
           </a:p>
@@ -2905,7 +2910,7 @@
           <a:p>
             <a:fld id="{3D995D24-2632-4027-898C-1F63451A4903}" type="datetimeFigureOut">
               <a:rPr lang="en-US" smtClean="0"/>
-              <a:t>4/10/2021</a:t>
+              <a:t>4/15/2021</a:t>
             </a:fld>
             <a:endParaRPr lang="en-US"/>
           </a:p>
@@ -3324,6 +3329,166 @@
       </p:grpSpPr>
       <p:sp>
         <p:nvSpPr>
+          <p:cNvPr id="2" name="Title 1">
+            <a:extLst>
+              <a:ext uri="{FF2B5EF4-FFF2-40B4-BE49-F238E27FC236}">
+                <a16:creationId xmlns:a16="http://schemas.microsoft.com/office/drawing/2014/main" id="{92B86187-EEB0-49DD-868D-FF44509E0625}"/>
+              </a:ext>
+            </a:extLst>
+          </p:cNvPr>
+          <p:cNvSpPr>
+            <a:spLocks noGrp="1"/>
+          </p:cNvSpPr>
+          <p:nvPr>
+            <p:ph type="title"/>
+          </p:nvPr>
+        </p:nvSpPr>
+        <p:spPr>
+          <a:xfrm>
+            <a:off x="838200" y="365126"/>
+            <a:ext cx="10515600" cy="558800"/>
+          </a:xfrm>
+        </p:spPr>
+        <p:txBody>
+          <a:bodyPr>
+            <a:normAutofit fontScale="90000"/>
+          </a:bodyPr>
+          <a:lstStyle/>
+          <a:p>
+            <a:r>
+              <a:rPr lang="en-US" dirty="0"/>
+              <a:t>Assumptions</a:t>
+            </a:r>
+          </a:p>
+        </p:txBody>
+      </p:sp>
+      <p:sp>
+        <p:nvSpPr>
+          <p:cNvPr id="3" name="Content Placeholder 2">
+            <a:extLst>
+              <a:ext uri="{FF2B5EF4-FFF2-40B4-BE49-F238E27FC236}">
+                <a16:creationId xmlns:a16="http://schemas.microsoft.com/office/drawing/2014/main" id="{54DD5D2B-95E4-44FA-90A2-F5DA75641A5B}"/>
+              </a:ext>
+            </a:extLst>
+          </p:cNvPr>
+          <p:cNvSpPr>
+            <a:spLocks noGrp="1"/>
+          </p:cNvSpPr>
+          <p:nvPr>
+            <p:ph idx="1"/>
+          </p:nvPr>
+        </p:nvSpPr>
+        <p:spPr>
+          <a:xfrm>
+            <a:off x="838200" y="1047750"/>
+            <a:ext cx="10515600" cy="5129213"/>
+          </a:xfrm>
+        </p:spPr>
+        <p:txBody>
+          <a:bodyPr>
+            <a:normAutofit lnSpcReduction="10000"/>
+          </a:bodyPr>
+          <a:lstStyle/>
+          <a:p>
+            <a:r>
+              <a:rPr lang="en-US" dirty="0"/>
+              <a:t>As there is code available ,bringing HDInsight Kafka cluster in the ingestion layer</a:t>
+            </a:r>
+          </a:p>
+          <a:p>
+            <a:r>
+              <a:rPr lang="en-US" dirty="0"/>
+              <a:t>Assuming the web app is deployed one region.</a:t>
+            </a:r>
+          </a:p>
+          <a:p>
+            <a:r>
+              <a:rPr lang="en-US" dirty="0"/>
+              <a:t>Image processing thru </a:t>
+            </a:r>
+            <a:r>
+              <a:rPr lang="en-US" dirty="0" err="1"/>
+              <a:t>kafka</a:t>
+            </a:r>
+            <a:r>
+              <a:rPr lang="en-US" dirty="0"/>
+              <a:t> is not advisable but as mentioned the solution is available ,hence using the </a:t>
+            </a:r>
+            <a:r>
+              <a:rPr lang="en-US" dirty="0" err="1"/>
+              <a:t>kafka</a:t>
+            </a:r>
+            <a:r>
+              <a:rPr lang="en-US" dirty="0"/>
+              <a:t> in </a:t>
+            </a:r>
+            <a:r>
+              <a:rPr lang="en-US" dirty="0" err="1"/>
+              <a:t>hd</a:t>
+            </a:r>
+            <a:r>
+              <a:rPr lang="en-US" dirty="0"/>
+              <a:t> insight.</a:t>
+            </a:r>
+          </a:p>
+          <a:p>
+            <a:r>
+              <a:rPr lang="en-US" dirty="0"/>
+              <a:t>Processed image is stored in the blob storage , where we can enable life cycle management to retain an image for 7 days</a:t>
+            </a:r>
+          </a:p>
+          <a:p>
+            <a:r>
+              <a:rPr lang="en-US" dirty="0"/>
+              <a:t>Image and customer details are stored in synapse analytics for future analysis purposes</a:t>
+            </a:r>
+          </a:p>
+          <a:p>
+            <a:r>
+              <a:rPr lang="en-US" dirty="0"/>
+              <a:t>Azure analysis services is not required if the data volume is not higher</a:t>
+            </a:r>
+          </a:p>
+          <a:p>
+            <a:r>
+              <a:rPr lang="en-US" dirty="0"/>
+              <a:t>Power Bi can take data from synapse directly or from azure analysis services based on the volume of the data.</a:t>
+            </a:r>
+          </a:p>
+        </p:txBody>
+      </p:sp>
+    </p:spTree>
+    <p:extLst>
+      <p:ext uri="{BB962C8B-B14F-4D97-AF65-F5344CB8AC3E}">
+        <p14:creationId xmlns:p14="http://schemas.microsoft.com/office/powerpoint/2010/main" val="3381213771"/>
+      </p:ext>
+    </p:extLst>
+  </p:cSld>
+  <p:clrMapOvr>
+    <a:masterClrMapping/>
+  </p:clrMapOvr>
+</p:sld>
+</file>
+
+<file path=ppt/slides/slide2.xml><?xml version="1.0" encoding="utf-8"?>
+<p:sld xmlns:a="http://schemas.openxmlformats.org/drawingml/2006/main" xmlns:r="http://schemas.openxmlformats.org/officeDocument/2006/relationships" xmlns:p="http://schemas.openxmlformats.org/presentationml/2006/main">
+  <p:cSld>
+    <p:spTree>
+      <p:nvGrpSpPr>
+        <p:cNvPr id="1" name=""/>
+        <p:cNvGrpSpPr/>
+        <p:nvPr/>
+      </p:nvGrpSpPr>
+      <p:grpSpPr>
+        <a:xfrm>
+          <a:off x="0" y="0"/>
+          <a:ext cx="0" cy="0"/>
+          <a:chOff x="0" y="0"/>
+          <a:chExt cx="0" cy="0"/>
+        </a:xfrm>
+      </p:grpSpPr>
+      <p:sp>
+        <p:nvSpPr>
           <p:cNvPr id="4" name="Rectangle 3">
             <a:extLst>
               <a:ext uri="{FF2B5EF4-FFF2-40B4-BE49-F238E27FC236}">
@@ -4433,134 +4598,6 @@
     <p:extLst>
       <p:ext uri="{BB962C8B-B14F-4D97-AF65-F5344CB8AC3E}">
         <p14:creationId xmlns:p14="http://schemas.microsoft.com/office/powerpoint/2010/main" val="1019788283"/>
-      </p:ext>
-    </p:extLst>
-  </p:cSld>
-  <p:clrMapOvr>
-    <a:masterClrMapping/>
-  </p:clrMapOvr>
-</p:sld>
-</file>
-
-<file path=ppt/slides/slide2.xml><?xml version="1.0" encoding="utf-8"?>
-<p:sld xmlns:a="http://schemas.openxmlformats.org/drawingml/2006/main" xmlns:r="http://schemas.openxmlformats.org/officeDocument/2006/relationships" xmlns:p="http://schemas.openxmlformats.org/presentationml/2006/main">
-  <p:cSld>
-    <p:spTree>
-      <p:nvGrpSpPr>
-        <p:cNvPr id="1" name=""/>
-        <p:cNvGrpSpPr/>
-        <p:nvPr/>
-      </p:nvGrpSpPr>
-      <p:grpSpPr>
-        <a:xfrm>
-          <a:off x="0" y="0"/>
-          <a:ext cx="0" cy="0"/>
-          <a:chOff x="0" y="0"/>
-          <a:chExt cx="0" cy="0"/>
-        </a:xfrm>
-      </p:grpSpPr>
-      <p:sp>
-        <p:nvSpPr>
-          <p:cNvPr id="2" name="Title 1">
-            <a:extLst>
-              <a:ext uri="{FF2B5EF4-FFF2-40B4-BE49-F238E27FC236}">
-                <a16:creationId xmlns:a16="http://schemas.microsoft.com/office/drawing/2014/main" id="{92B86187-EEB0-49DD-868D-FF44509E0625}"/>
-              </a:ext>
-            </a:extLst>
-          </p:cNvPr>
-          <p:cNvSpPr>
-            <a:spLocks noGrp="1"/>
-          </p:cNvSpPr>
-          <p:nvPr>
-            <p:ph type="title"/>
-          </p:nvPr>
-        </p:nvSpPr>
-        <p:spPr>
-          <a:xfrm>
-            <a:off x="838200" y="365126"/>
-            <a:ext cx="10515600" cy="558800"/>
-          </a:xfrm>
-        </p:spPr>
-        <p:txBody>
-          <a:bodyPr>
-            <a:normAutofit fontScale="90000"/>
-          </a:bodyPr>
-          <a:lstStyle/>
-          <a:p>
-            <a:r>
-              <a:rPr lang="en-US" dirty="0"/>
-              <a:t>Assumptions</a:t>
-            </a:r>
-          </a:p>
-        </p:txBody>
-      </p:sp>
-      <p:sp>
-        <p:nvSpPr>
-          <p:cNvPr id="3" name="Content Placeholder 2">
-            <a:extLst>
-              <a:ext uri="{FF2B5EF4-FFF2-40B4-BE49-F238E27FC236}">
-                <a16:creationId xmlns:a16="http://schemas.microsoft.com/office/drawing/2014/main" id="{54DD5D2B-95E4-44FA-90A2-F5DA75641A5B}"/>
-              </a:ext>
-            </a:extLst>
-          </p:cNvPr>
-          <p:cNvSpPr>
-            <a:spLocks noGrp="1"/>
-          </p:cNvSpPr>
-          <p:nvPr>
-            <p:ph idx="1"/>
-          </p:nvPr>
-        </p:nvSpPr>
-        <p:spPr>
-          <a:xfrm>
-            <a:off x="838200" y="1047750"/>
-            <a:ext cx="10515600" cy="5129213"/>
-          </a:xfrm>
-        </p:spPr>
-        <p:txBody>
-          <a:bodyPr/>
-          <a:lstStyle/>
-          <a:p>
-            <a:r>
-              <a:rPr lang="en-US" dirty="0"/>
-              <a:t>As there is code available ,bringing HDInsight Kafka cluster in the ingestion layer</a:t>
-            </a:r>
-          </a:p>
-          <a:p>
-            <a:r>
-              <a:rPr lang="en-US" dirty="0"/>
-              <a:t>Assuming the web app is deployed one region</a:t>
-            </a:r>
-          </a:p>
-          <a:p>
-            <a:r>
-              <a:rPr lang="en-US" dirty="0"/>
-              <a:t>Processed image is stored in the blob storage , where we can enable life cycle management to retain an image for 7 days</a:t>
-            </a:r>
-          </a:p>
-          <a:p>
-            <a:r>
-              <a:rPr lang="en-US" dirty="0"/>
-              <a:t>Image and customer details are stored in synapse analytics for future analysis purposes</a:t>
-            </a:r>
-          </a:p>
-          <a:p>
-            <a:r>
-              <a:rPr lang="en-US" dirty="0"/>
-              <a:t>Azure analysis services is not required if the data volume is not higher</a:t>
-            </a:r>
-          </a:p>
-          <a:p>
-            <a:r>
-              <a:rPr lang="en-US" dirty="0"/>
-              <a:t>Power Bi can take data from synapse directly or from azure analysis services based on the volume of the data.</a:t>
-            </a:r>
-          </a:p>
-        </p:txBody>
-      </p:sp>
-    </p:spTree>
-    <p:extLst>
-      <p:ext uri="{BB962C8B-B14F-4D97-AF65-F5344CB8AC3E}">
-        <p14:creationId xmlns:p14="http://schemas.microsoft.com/office/powerpoint/2010/main" val="3381213771"/>
       </p:ext>
     </p:extLst>
   </p:cSld>
